--- a/docs/diagrams/ListSequenceDiagram_2.pptx
+++ b/docs/diagrams/ListSequenceDiagram_2.pptx
@@ -3973,7 +3973,7 @@
         </p:nvCxnSpPr>
         <p:spPr>
           <a:xfrm>
-            <a:off x="509491" y="1277359"/>
+            <a:off x="498077" y="1314072"/>
             <a:ext cx="1119851" cy="0"/>
           </a:xfrm>
           <a:prstGeom prst="straightConnector1">
@@ -4669,7 +4669,7 @@
         <p:spPr>
           <a:xfrm>
             <a:off x="7943607" y="4185804"/>
-            <a:ext cx="168896" cy="538596"/>
+            <a:ext cx="168896" cy="544922"/>
           </a:xfrm>
           <a:prstGeom prst="rect">
             <a:avLst/>
@@ -4753,7 +4753,7 @@
         </p:nvSpPr>
         <p:spPr>
           <a:xfrm>
-            <a:off x="5574767" y="3715975"/>
+            <a:off x="5568338" y="3675631"/>
             <a:ext cx="258404" cy="261610"/>
           </a:xfrm>
           <a:prstGeom prst="rect">
@@ -4905,8 +4905,8 @@
         </p:nvCxnSpPr>
         <p:spPr>
           <a:xfrm>
-            <a:off x="1798636" y="1379278"/>
-            <a:ext cx="2256705" cy="1"/>
+            <a:off x="1770328" y="1371600"/>
+            <a:ext cx="2318404" cy="7406"/>
           </a:xfrm>
           <a:prstGeom prst="straightConnector1">
             <a:avLst/>
@@ -5113,8 +5113,8 @@
         </p:nvCxnSpPr>
         <p:spPr>
           <a:xfrm>
-            <a:off x="8100071" y="4263421"/>
-            <a:ext cx="1408398" cy="0"/>
+            <a:off x="8110375" y="4263421"/>
+            <a:ext cx="1412270" cy="0"/>
           </a:xfrm>
           <a:prstGeom prst="straightConnector1">
             <a:avLst/>
@@ -5198,14 +5198,13 @@
           </p:cNvPr>
           <p:cNvCxnSpPr>
             <a:cxnSpLocks/>
-            <a:endCxn id="49" idx="2"/>
           </p:cNvCxnSpPr>
           <p:nvPr/>
         </p:nvCxnSpPr>
         <p:spPr>
           <a:xfrm>
-            <a:off x="6719794" y="4724400"/>
-            <a:ext cx="1308261" cy="0"/>
+            <a:off x="6728716" y="4721237"/>
+            <a:ext cx="1263848" cy="6326"/>
           </a:xfrm>
           <a:prstGeom prst="straightConnector1">
             <a:avLst/>
@@ -5521,47 +5520,6 @@
                 <a:srgbClr val="0070C0"/>
               </a:solidFill>
             </a:endParaRPr>
-          </a:p>
-        </p:txBody>
-      </p:sp>
-      <p:sp>
-        <p:nvSpPr>
-          <p:cNvPr id="62" name="TextBox 61"/>
-          <p:cNvSpPr txBox="1"/>
-          <p:nvPr/>
-        </p:nvSpPr>
-        <p:spPr>
-          <a:xfrm>
-            <a:off x="2545988" y="3571245"/>
-            <a:ext cx="762000" cy="215444"/>
-          </a:xfrm>
-          <a:prstGeom prst="rect">
-            <a:avLst/>
-          </a:prstGeom>
-          <a:noFill/>
-        </p:spPr>
-        <p:txBody>
-          <a:bodyPr wrap="square" lIns="0" tIns="0" rIns="0" bIns="0" rtlCol="0">
-            <a:spAutoFit/>
-          </a:bodyPr>
-          <a:lstStyle>
-            <a:defPPr>
-              <a:defRPr lang="en-US"/>
-            </a:defPPr>
-            <a:lvl1pPr algn="r">
-              <a:defRPr sz="1400">
-                <a:solidFill>
-                  <a:srgbClr val="0070C0"/>
-                </a:solidFill>
-              </a:defRPr>
-            </a:lvl1pPr>
-          </a:lstStyle>
-          <a:p>
-            <a:r>
-              <a:rPr lang="en-US" dirty="0" smtClean="0"/>
-              <a:t>l</a:t>
-            </a:r>
-            <a:endParaRPr lang="en-US" dirty="0"/>
           </a:p>
         </p:txBody>
       </p:sp>
@@ -5810,7 +5768,7 @@
         </p:nvCxnSpPr>
         <p:spPr>
           <a:xfrm flipV="1">
-            <a:off x="6736151" y="5453629"/>
+            <a:off x="6736341" y="5466579"/>
             <a:ext cx="1299339" cy="5055"/>
           </a:xfrm>
           <a:prstGeom prst="straightConnector1">
@@ -5881,17 +5839,7 @@
                   </a:schemeClr>
                 </a:solidFill>
               </a:rPr>
-              <a:t>ge</a:t>
-            </a:r>
-            <a:r>
-              <a:rPr lang="en-US" sz="1200" dirty="0" err="1" smtClean="0">
-                <a:solidFill>
-                  <a:schemeClr val="accent4">
-                    <a:lumMod val="75000"/>
-                  </a:schemeClr>
-                </a:solidFill>
-              </a:rPr>
-              <a:t>tTaken</a:t>
+              <a:t>getTaken</a:t>
             </a:r>
             <a:endParaRPr lang="en-US" sz="1200" dirty="0" smtClean="0">
               <a:solidFill>
@@ -6051,7 +5999,7 @@
         <p:spPr>
           <a:xfrm>
             <a:off x="9685610" y="4572719"/>
-            <a:ext cx="152400" cy="140805"/>
+            <a:ext cx="149334" cy="158007"/>
           </a:xfrm>
           <a:prstGeom prst="line">
             <a:avLst/>
@@ -6095,7 +6043,7 @@
         </p:nvCxnSpPr>
         <p:spPr>
           <a:xfrm>
-            <a:off x="9656674" y="4713524"/>
+            <a:off x="9656674" y="4730644"/>
             <a:ext cx="178270" cy="0"/>
           </a:xfrm>
           <a:prstGeom prst="straightConnector1">
